--- a/binder.pptx
+++ b/binder.pptx
@@ -4777,7 +4777,7 @@
             </a:r>
             <a:r>
               <a:rPr lang="en-US" altLang="zh-CN" sz="1400"/>
-              <a:t>: {</a:t>
+              <a:t> {</a:t>
             </a:r>
             <a:endParaRPr lang="en-US" altLang="zh-CN" sz="1400"/>
           </a:p>
@@ -4909,6 +4909,305 @@
           </a:p>
         </p:txBody>
       </p:sp>
+      <p:sp>
+        <p:nvSpPr>
+          <p:cNvPr id="16" name="文本框 15"/>
+          <p:cNvSpPr txBox="1"/>
+          <p:nvPr/>
+        </p:nvSpPr>
+        <p:spPr>
+          <a:xfrm>
+            <a:off x="10459085" y="1360170"/>
+            <a:ext cx="1732915" cy="2245360"/>
+          </a:xfrm>
+          <a:prstGeom prst="rect">
+            <a:avLst/>
+          </a:prstGeom>
+          <a:noFill/>
+        </p:spPr>
+        <p:txBody>
+          <a:bodyPr wrap="square" rtlCol="0">
+            <a:spAutoFit/>
+          </a:bodyPr>
+          <a:p>
+            <a:r>
+              <a:rPr lang="en-US" altLang="zh-CN" sz="1400"/>
+              <a:t>1.open</a:t>
+            </a:r>
+            <a:r>
+              <a:rPr lang="zh-CN" altLang="en-US" sz="1400"/>
+              <a:t>驱动</a:t>
+            </a:r>
+            <a:endParaRPr lang="zh-CN" altLang="en-US" sz="1400"/>
+          </a:p>
+          <a:p>
+            <a:r>
+              <a:rPr lang="en-US" altLang="zh-CN" sz="1400"/>
+              <a:t>2.</a:t>
+            </a:r>
+            <a:r>
+              <a:rPr lang="zh-CN" altLang="en-US" sz="1400"/>
+              <a:t>注册服务</a:t>
+            </a:r>
+            <a:endParaRPr lang="zh-CN" altLang="en-US" sz="1400"/>
+          </a:p>
+          <a:p>
+            <a:r>
+              <a:rPr lang="en-US" altLang="zh-CN" sz="1400"/>
+              <a:t>3.loop</a:t>
+            </a:r>
+            <a:r>
+              <a:rPr lang="zh-CN" altLang="en-US" sz="1400"/>
+              <a:t>循环处理</a:t>
+            </a:r>
+            <a:endParaRPr lang="zh-CN" altLang="en-US" sz="1400"/>
+          </a:p>
+          <a:p>
+            <a:r>
+              <a:rPr lang="en-US" altLang="zh-CN" sz="1400"/>
+              <a:t>while(1){</a:t>
+            </a:r>
+            <a:endParaRPr lang="en-US" altLang="zh-CN" sz="1400"/>
+          </a:p>
+          <a:p>
+            <a:r>
+              <a:rPr lang="en-US" altLang="zh-CN" sz="1400"/>
+              <a:t>  </a:t>
+            </a:r>
+            <a:r>
+              <a:rPr lang="zh-CN" altLang="en-US" sz="1400">
+                <a:sym typeface="+mn-ea"/>
+              </a:rPr>
+              <a:t>读驱动数据</a:t>
+            </a:r>
+            <a:endParaRPr lang="zh-CN" altLang="en-US" sz="1400"/>
+          </a:p>
+          <a:p>
+            <a:r>
+              <a:rPr lang="zh-CN" altLang="en-US" sz="1400">
+                <a:sym typeface="+mn-ea"/>
+              </a:rPr>
+              <a:t> </a:t>
+            </a:r>
+            <a:r>
+              <a:rPr lang="en-US" altLang="zh-CN" sz="1400">
+                <a:sym typeface="+mn-ea"/>
+              </a:rPr>
+              <a:t>  </a:t>
+            </a:r>
+            <a:r>
+              <a:rPr lang="zh-CN" altLang="en-US" sz="1400">
+                <a:sym typeface="+mn-ea"/>
+              </a:rPr>
+              <a:t>解析数据</a:t>
+            </a:r>
+            <a:r>
+              <a:rPr lang="en-US" altLang="zh-CN" sz="1400">
+                <a:sym typeface="+mn-ea"/>
+              </a:rPr>
+              <a:t>{</a:t>
+            </a:r>
+            <a:endParaRPr lang="en-US" altLang="zh-CN" sz="1400">
+              <a:sym typeface="+mn-ea"/>
+            </a:endParaRPr>
+          </a:p>
+          <a:p>
+            <a:r>
+              <a:rPr lang="en-US" altLang="zh-CN" sz="1400">
+                <a:sym typeface="+mn-ea"/>
+              </a:rPr>
+              <a:t>     </a:t>
+            </a:r>
+            <a:r>
+              <a:rPr lang="zh-CN" altLang="en-US" sz="1400">
+                <a:sym typeface="+mn-ea"/>
+              </a:rPr>
+              <a:t>调用方法</a:t>
+            </a:r>
+            <a:endParaRPr lang="zh-CN" altLang="en-US" sz="1400">
+              <a:sym typeface="+mn-ea"/>
+            </a:endParaRPr>
+          </a:p>
+          <a:p>
+            <a:r>
+              <a:rPr lang="en-US" altLang="zh-CN" sz="1400">
+                <a:sym typeface="+mn-ea"/>
+              </a:rPr>
+              <a:t>     </a:t>
+            </a:r>
+            <a:r>
+              <a:rPr lang="zh-CN" altLang="en-US" sz="1400">
+                <a:sym typeface="+mn-ea"/>
+              </a:rPr>
+              <a:t>返回结果</a:t>
+            </a:r>
+            <a:endParaRPr lang="en-US" altLang="zh-CN" sz="1400">
+              <a:sym typeface="+mn-ea"/>
+            </a:endParaRPr>
+          </a:p>
+          <a:p>
+            <a:r>
+              <a:rPr lang="en-US" altLang="zh-CN" sz="1400">
+                <a:sym typeface="+mn-ea"/>
+              </a:rPr>
+              <a:t>  }</a:t>
+            </a:r>
+            <a:endParaRPr lang="en-US" altLang="zh-CN" sz="1400"/>
+          </a:p>
+          <a:p>
+            <a:r>
+              <a:rPr lang="en-US" altLang="zh-CN" sz="1400"/>
+              <a:t>}</a:t>
+            </a:r>
+            <a:endParaRPr lang="en-US" altLang="zh-CN" sz="1400"/>
+          </a:p>
+        </p:txBody>
+      </p:sp>
+      <p:sp>
+        <p:nvSpPr>
+          <p:cNvPr id="17" name="左中括号 16"/>
+          <p:cNvSpPr/>
+          <p:nvPr/>
+        </p:nvSpPr>
+        <p:spPr>
+          <a:xfrm>
+            <a:off x="10296525" y="1454150"/>
+            <a:ext cx="196850" cy="2165350"/>
+          </a:xfrm>
+          <a:prstGeom prst="leftBracket">
+            <a:avLst/>
+          </a:prstGeom>
+        </p:spPr>
+        <p:style>
+          <a:lnRef idx="1">
+            <a:schemeClr val="accent1"/>
+          </a:lnRef>
+          <a:fillRef idx="0">
+            <a:schemeClr val="accent1"/>
+          </a:fillRef>
+          <a:effectRef idx="0">
+            <a:schemeClr val="accent1"/>
+          </a:effectRef>
+          <a:fontRef idx="minor">
+            <a:schemeClr val="tx1"/>
+          </a:fontRef>
+        </p:style>
+        <p:txBody>
+          <a:bodyPr rtlCol="0" anchor="ctr"/>
+          <a:p>
+            <a:pPr algn="ctr"/>
+            <a:endParaRPr lang="zh-CN" altLang="en-US"/>
+          </a:p>
+        </p:txBody>
+      </p:sp>
+      <p:cxnSp>
+        <p:nvCxnSpPr>
+          <p:cNvPr id="18" name="直接箭头连接符 17"/>
+          <p:cNvCxnSpPr>
+            <a:stCxn id="5" idx="2"/>
+          </p:cNvCxnSpPr>
+          <p:nvPr/>
+        </p:nvCxnSpPr>
+        <p:spPr>
+          <a:xfrm flipH="1">
+            <a:off x="1069975" y="2514600"/>
+            <a:ext cx="27940" cy="3270250"/>
+          </a:xfrm>
+          <a:prstGeom prst="straightConnector1">
+            <a:avLst/>
+          </a:prstGeom>
+          <a:ln>
+            <a:headEnd type="arrow"/>
+            <a:tailEnd type="arrow"/>
+          </a:ln>
+        </p:spPr>
+        <p:style>
+          <a:lnRef idx="1">
+            <a:schemeClr val="accent1"/>
+          </a:lnRef>
+          <a:fillRef idx="0">
+            <a:schemeClr val="accent1"/>
+          </a:fillRef>
+          <a:effectRef idx="0">
+            <a:schemeClr val="accent1"/>
+          </a:effectRef>
+          <a:fontRef idx="minor">
+            <a:schemeClr val="tx1"/>
+          </a:fontRef>
+        </p:style>
+      </p:cxnSp>
+      <p:cxnSp>
+        <p:nvCxnSpPr>
+          <p:cNvPr id="19" name="直接箭头连接符 18"/>
+          <p:cNvCxnSpPr>
+            <a:stCxn id="7" idx="2"/>
+          </p:cNvCxnSpPr>
+          <p:nvPr/>
+        </p:nvCxnSpPr>
+        <p:spPr>
+          <a:xfrm flipH="1">
+            <a:off x="5165725" y="2514600"/>
+            <a:ext cx="43180" cy="3270250"/>
+          </a:xfrm>
+          <a:prstGeom prst="straightConnector1">
+            <a:avLst/>
+          </a:prstGeom>
+          <a:ln>
+            <a:headEnd type="arrow"/>
+            <a:tailEnd type="arrow"/>
+          </a:ln>
+        </p:spPr>
+        <p:style>
+          <a:lnRef idx="1">
+            <a:schemeClr val="accent1"/>
+          </a:lnRef>
+          <a:fillRef idx="0">
+            <a:schemeClr val="accent1"/>
+          </a:fillRef>
+          <a:effectRef idx="0">
+            <a:schemeClr val="accent1"/>
+          </a:effectRef>
+          <a:fontRef idx="minor">
+            <a:schemeClr val="tx1"/>
+          </a:fontRef>
+        </p:style>
+      </p:cxnSp>
+      <p:cxnSp>
+        <p:nvCxnSpPr>
+          <p:cNvPr id="20" name="直接箭头连接符 19"/>
+          <p:cNvCxnSpPr>
+            <a:stCxn id="6" idx="2"/>
+          </p:cNvCxnSpPr>
+          <p:nvPr/>
+        </p:nvCxnSpPr>
+        <p:spPr>
+          <a:xfrm flipH="1">
+            <a:off x="9756775" y="2514600"/>
+            <a:ext cx="34290" cy="3251200"/>
+          </a:xfrm>
+          <a:prstGeom prst="straightConnector1">
+            <a:avLst/>
+          </a:prstGeom>
+          <a:ln>
+            <a:headEnd type="arrow"/>
+            <a:tailEnd type="arrow"/>
+          </a:ln>
+        </p:spPr>
+        <p:style>
+          <a:lnRef idx="1">
+            <a:schemeClr val="accent1"/>
+          </a:lnRef>
+          <a:fillRef idx="0">
+            <a:schemeClr val="accent1"/>
+          </a:fillRef>
+          <a:effectRef idx="0">
+            <a:schemeClr val="accent1"/>
+          </a:effectRef>
+          <a:fontRef idx="minor">
+            <a:schemeClr val="tx1"/>
+          </a:fontRef>
+        </p:style>
+      </p:cxnSp>
     </p:spTree>
     <p:custDataLst>
       <p:tags r:id="rId1"/>
